--- a/presentation.pptx
+++ b/presentation.pptx
@@ -4572,36 +4572,6 @@
           </a:p>
         </p:txBody>
       </p:sp>
-      <p:pic>
-        <p:nvPicPr>
-          <p:cNvPr id="4" name="Рисунок 3">
-            <a:extLst>
-              <a:ext uri="{FF2B5EF4-FFF2-40B4-BE49-F238E27FC236}">
-                <a16:creationId xmlns:a16="http://schemas.microsoft.com/office/drawing/2014/main" id="{1224AEF8-1CA9-4C2D-AFEB-8F616F5C5D7B}"/>
-              </a:ext>
-            </a:extLst>
-          </p:cNvPr>
-          <p:cNvPicPr>
-            <a:picLocks noChangeAspect="1"/>
-          </p:cNvPicPr>
-          <p:nvPr/>
-        </p:nvPicPr>
-        <p:blipFill>
-          <a:blip r:embed="rId2"/>
-          <a:stretch>
-            <a:fillRect/>
-          </a:stretch>
-        </p:blipFill>
-        <p:spPr>
-          <a:xfrm>
-            <a:off x="1933575" y="286385"/>
-            <a:ext cx="4162425" cy="2314575"/>
-          </a:xfrm>
-          <a:prstGeom prst="rect">
-            <a:avLst/>
-          </a:prstGeom>
-        </p:spPr>
-      </p:pic>
       <p:sp>
         <p:nvSpPr>
           <p:cNvPr id="5" name="Стрелка: вправо 4">
@@ -4663,7 +4633,7 @@
           <p:nvPr/>
         </p:nvPicPr>
         <p:blipFill>
-          <a:blip r:embed="rId3"/>
+          <a:blip r:embed="rId2"/>
           <a:stretch>
             <a:fillRect/>
           </a:stretch>
@@ -4693,7 +4663,7 @@
           <p:nvPr/>
         </p:nvPicPr>
         <p:blipFill>
-          <a:blip r:embed="rId4"/>
+          <a:blip r:embed="rId3"/>
           <a:stretch>
             <a:fillRect/>
           </a:stretch>
@@ -4946,6 +4916,35 @@
           </a:p>
         </p:txBody>
       </p:sp>
+      <p:pic>
+        <p:nvPicPr>
+          <p:cNvPr id="8" name="Рисунок 7">
+            <a:extLst>
+              <a:ext uri="{FF2B5EF4-FFF2-40B4-BE49-F238E27FC236}">
+                <a16:creationId xmlns:a16="http://schemas.microsoft.com/office/drawing/2014/main" id="{468C91A6-E143-4038-B0EC-DBA85D1E6A65}"/>
+              </a:ext>
+            </a:extLst>
+          </p:cNvPr>
+          <p:cNvPicPr>
+            <a:picLocks noChangeAspect="1"/>
+          </p:cNvPicPr>
+          <p:nvPr/>
+        </p:nvPicPr>
+        <p:blipFill rotWithShape="1">
+          <a:blip r:embed="rId4"/>
+          <a:srcRect l="19685" r="20611" b="28148"/>
+          <a:stretch/>
+        </p:blipFill>
+        <p:spPr>
+          <a:xfrm>
+            <a:off x="2733774" y="163964"/>
+            <a:ext cx="2573518" cy="2531611"/>
+          </a:xfrm>
+          <a:prstGeom prst="rect">
+            <a:avLst/>
+          </a:prstGeom>
+        </p:spPr>
+      </p:pic>
     </p:spTree>
     <p:extLst>
       <p:ext uri="{BB962C8B-B14F-4D97-AF65-F5344CB8AC3E}">

--- a/presentation.pptx
+++ b/presentation.pptx
@@ -5,7 +5,7 @@
     <p:sldMasterId id="2147483648" r:id="rId1"/>
   </p:sldMasterIdLst>
   <p:notesMasterIdLst>
-    <p:notesMasterId r:id="rId11"/>
+    <p:notesMasterId r:id="rId14"/>
   </p:notesMasterIdLst>
   <p:sldIdLst>
     <p:sldId id="256" r:id="rId2"/>
@@ -17,6 +17,9 @@
     <p:sldId id="262" r:id="rId8"/>
     <p:sldId id="263" r:id="rId9"/>
     <p:sldId id="264" r:id="rId10"/>
+    <p:sldId id="265" r:id="rId11"/>
+    <p:sldId id="266" r:id="rId12"/>
+    <p:sldId id="267" r:id="rId13"/>
   </p:sldIdLst>
   <p:sldSz cx="12192000" cy="6858000"/>
   <p:notesSz cx="6858000" cy="9144000"/>
@@ -231,7 +234,7 @@
           <a:p>
             <a:fld id="{3AEE07D0-36E3-4B14-B522-D756CDB64BEB}" type="datetimeFigureOut">
               <a:rPr lang="ru-RU" smtClean="0"/>
-              <a:t>22.12.2020</a:t>
+              <a:t>23.12.2020</a:t>
             </a:fld>
             <a:endParaRPr lang="ru-RU"/>
           </a:p>
@@ -645,7 +648,7 @@
           <a:p>
             <a:fld id="{2C1BA3D3-43AC-4765-8CCE-63C5D14D5AA1}" type="datetime1">
               <a:rPr lang="ru-RU" smtClean="0"/>
-              <a:t>22.12.2020</a:t>
+              <a:t>23.12.2020</a:t>
             </a:fld>
             <a:endParaRPr lang="ru-RU"/>
           </a:p>
@@ -843,7 +846,7 @@
           <a:p>
             <a:fld id="{DBB22AC4-009E-4667-B2ED-A299D512A5DA}" type="datetime1">
               <a:rPr lang="ru-RU" smtClean="0"/>
-              <a:t>22.12.2020</a:t>
+              <a:t>23.12.2020</a:t>
             </a:fld>
             <a:endParaRPr lang="ru-RU"/>
           </a:p>
@@ -1051,7 +1054,7 @@
           <a:p>
             <a:fld id="{C7E9F7B9-A9EF-44F7-9C19-6F41D1590545}" type="datetime1">
               <a:rPr lang="ru-RU" smtClean="0"/>
-              <a:t>22.12.2020</a:t>
+              <a:t>23.12.2020</a:t>
             </a:fld>
             <a:endParaRPr lang="ru-RU"/>
           </a:p>
@@ -1249,7 +1252,7 @@
           <a:p>
             <a:fld id="{2949CEB5-B762-422E-BA5C-12FB861C6C53}" type="datetime1">
               <a:rPr lang="ru-RU" smtClean="0"/>
-              <a:t>22.12.2020</a:t>
+              <a:t>23.12.2020</a:t>
             </a:fld>
             <a:endParaRPr lang="ru-RU"/>
           </a:p>
@@ -1524,7 +1527,7 @@
           <a:p>
             <a:fld id="{7CE94B3F-D0F5-433B-AA0A-57FF6376AA3C}" type="datetime1">
               <a:rPr lang="ru-RU" smtClean="0"/>
-              <a:t>22.12.2020</a:t>
+              <a:t>23.12.2020</a:t>
             </a:fld>
             <a:endParaRPr lang="ru-RU"/>
           </a:p>
@@ -1789,7 +1792,7 @@
           <a:p>
             <a:fld id="{859BF6C7-97F8-414C-ACCE-B6407AC33EA5}" type="datetime1">
               <a:rPr lang="ru-RU" smtClean="0"/>
-              <a:t>22.12.2020</a:t>
+              <a:t>23.12.2020</a:t>
             </a:fld>
             <a:endParaRPr lang="ru-RU"/>
           </a:p>
@@ -2201,7 +2204,7 @@
           <a:p>
             <a:fld id="{117A280B-47FB-467D-A164-7E691DB2A14B}" type="datetime1">
               <a:rPr lang="ru-RU" smtClean="0"/>
-              <a:t>22.12.2020</a:t>
+              <a:t>23.12.2020</a:t>
             </a:fld>
             <a:endParaRPr lang="ru-RU"/>
           </a:p>
@@ -2342,7 +2345,7 @@
           <a:p>
             <a:fld id="{4E278188-6E80-4638-9AE9-90C9E4E3C29B}" type="datetime1">
               <a:rPr lang="ru-RU" smtClean="0"/>
-              <a:t>22.12.2020</a:t>
+              <a:t>23.12.2020</a:t>
             </a:fld>
             <a:endParaRPr lang="ru-RU"/>
           </a:p>
@@ -2455,7 +2458,7 @@
           <a:p>
             <a:fld id="{F06AD8BE-43AE-4551-A5F7-BDF80638AF9B}" type="datetime1">
               <a:rPr lang="ru-RU" smtClean="0"/>
-              <a:t>22.12.2020</a:t>
+              <a:t>23.12.2020</a:t>
             </a:fld>
             <a:endParaRPr lang="ru-RU"/>
           </a:p>
@@ -2766,7 +2769,7 @@
           <a:p>
             <a:fld id="{19EB0632-233B-49F1-83D1-F6692F588505}" type="datetime1">
               <a:rPr lang="ru-RU" smtClean="0"/>
-              <a:t>22.12.2020</a:t>
+              <a:t>23.12.2020</a:t>
             </a:fld>
             <a:endParaRPr lang="ru-RU"/>
           </a:p>
@@ -3054,7 +3057,7 @@
           <a:p>
             <a:fld id="{81852A46-44FC-403B-8D84-6500AB1A6873}" type="datetime1">
               <a:rPr lang="ru-RU" smtClean="0"/>
-              <a:t>22.12.2020</a:t>
+              <a:t>23.12.2020</a:t>
             </a:fld>
             <a:endParaRPr lang="ru-RU"/>
           </a:p>
@@ -3301,7 +3304,7 @@
           <a:p>
             <a:fld id="{209BFE25-D75A-441D-9DE9-90304E7D816A}" type="datetime1">
               <a:rPr lang="ru-RU" smtClean="0"/>
-              <a:t>22.12.2020</a:t>
+              <a:t>23.12.2020</a:t>
             </a:fld>
             <a:endParaRPr lang="ru-RU"/>
           </a:p>
@@ -3862,6 +3865,470 @@
 </p:sld>
 </file>
 
+<file path=ppt/slides/slide10.xml><?xml version="1.0" encoding="utf-8"?>
+<p:sld xmlns:a="http://schemas.openxmlformats.org/drawingml/2006/main" xmlns:r="http://schemas.openxmlformats.org/officeDocument/2006/relationships" xmlns:p="http://schemas.openxmlformats.org/presentationml/2006/main">
+  <p:cSld>
+    <p:spTree>
+      <p:nvGrpSpPr>
+        <p:cNvPr id="1" name=""/>
+        <p:cNvGrpSpPr/>
+        <p:nvPr/>
+      </p:nvGrpSpPr>
+      <p:grpSpPr>
+        <a:xfrm>
+          <a:off x="0" y="0"/>
+          <a:ext cx="0" cy="0"/>
+          <a:chOff x="0" y="0"/>
+          <a:chExt cx="0" cy="0"/>
+        </a:xfrm>
+      </p:grpSpPr>
+      <p:sp>
+        <p:nvSpPr>
+          <p:cNvPr id="3" name="Заголовок 2">
+            <a:extLst>
+              <a:ext uri="{FF2B5EF4-FFF2-40B4-BE49-F238E27FC236}">
+                <a16:creationId xmlns:a16="http://schemas.microsoft.com/office/drawing/2014/main" id="{4A90ADBD-19A5-429D-8516-E9967302C1FF}"/>
+              </a:ext>
+            </a:extLst>
+          </p:cNvPr>
+          <p:cNvSpPr>
+            <a:spLocks noGrp="1"/>
+          </p:cNvSpPr>
+          <p:nvPr>
+            <p:ph type="title"/>
+          </p:nvPr>
+        </p:nvSpPr>
+        <p:spPr>
+          <a:xfrm>
+            <a:off x="615033" y="527901"/>
+            <a:ext cx="10515600" cy="895449"/>
+          </a:xfrm>
+        </p:spPr>
+        <p:txBody>
+          <a:bodyPr>
+            <a:normAutofit fontScale="90000"/>
+          </a:bodyPr>
+          <a:lstStyle/>
+          <a:p>
+            <a:r>
+              <a:rPr lang="ru-RU" dirty="0">
+                <a:latin typeface="Times New Roman" panose="02020603050405020304" pitchFamily="18" charset="0"/>
+                <a:cs typeface="Times New Roman" panose="02020603050405020304" pitchFamily="18" charset="0"/>
+              </a:rPr>
+              <a:t>Дальнейшее развитие проекта</a:t>
+            </a:r>
+          </a:p>
+        </p:txBody>
+      </p:sp>
+      <p:sp>
+        <p:nvSpPr>
+          <p:cNvPr id="4" name="Текст 3">
+            <a:extLst>
+              <a:ext uri="{FF2B5EF4-FFF2-40B4-BE49-F238E27FC236}">
+                <a16:creationId xmlns:a16="http://schemas.microsoft.com/office/drawing/2014/main" id="{B967EA7F-C48C-4F8E-B6C7-8ED0E0F12656}"/>
+              </a:ext>
+            </a:extLst>
+          </p:cNvPr>
+          <p:cNvSpPr>
+            <a:spLocks noGrp="1"/>
+          </p:cNvSpPr>
+          <p:nvPr>
+            <p:ph type="body" idx="1"/>
+          </p:nvPr>
+        </p:nvSpPr>
+        <p:spPr>
+          <a:xfrm>
+            <a:off x="615033" y="2362446"/>
+            <a:ext cx="10515600" cy="2794016"/>
+          </a:xfrm>
+        </p:spPr>
+        <p:txBody>
+          <a:bodyPr>
+            <a:noAutofit/>
+          </a:bodyPr>
+          <a:lstStyle/>
+          <a:p>
+            <a:pPr marL="342900" indent="-342900" algn="just">
+              <a:buFont typeface="Arial" panose="020B0604020202020204" pitchFamily="34" charset="0"/>
+              <a:buChar char="•"/>
+            </a:pPr>
+            <a:r>
+              <a:rPr lang="ru-RU" sz="2800" dirty="0">
+                <a:solidFill>
+                  <a:schemeClr val="tx1"/>
+                </a:solidFill>
+                <a:latin typeface="Times New Roman" panose="02020603050405020304" pitchFamily="18" charset="0"/>
+                <a:cs typeface="Times New Roman" panose="02020603050405020304" pitchFamily="18" charset="0"/>
+              </a:rPr>
+              <a:t>Написать бота, который сам будет играть на сайте</a:t>
+            </a:r>
+          </a:p>
+          <a:p>
+            <a:pPr marL="342900" indent="-342900" algn="just">
+              <a:buFont typeface="Arial" panose="020B0604020202020204" pitchFamily="34" charset="0"/>
+              <a:buChar char="•"/>
+            </a:pPr>
+            <a:r>
+              <a:rPr lang="ru-RU" sz="2800" dirty="0">
+                <a:solidFill>
+                  <a:schemeClr val="tx1"/>
+                </a:solidFill>
+                <a:latin typeface="Times New Roman" panose="02020603050405020304" pitchFamily="18" charset="0"/>
+                <a:cs typeface="Times New Roman" panose="02020603050405020304" pitchFamily="18" charset="0"/>
+              </a:rPr>
+              <a:t>Улучшить точность предсказаний модели и стратегию игры</a:t>
+            </a:r>
+          </a:p>
+          <a:p>
+            <a:pPr marL="342900" indent="-342900" algn="just">
+              <a:buFont typeface="Arial" panose="020B0604020202020204" pitchFamily="34" charset="0"/>
+              <a:buChar char="•"/>
+            </a:pPr>
+            <a:r>
+              <a:rPr lang="ru-RU" sz="2800" dirty="0">
+                <a:solidFill>
+                  <a:schemeClr val="tx1"/>
+                </a:solidFill>
+                <a:latin typeface="Times New Roman" panose="02020603050405020304" pitchFamily="18" charset="0"/>
+                <a:cs typeface="Times New Roman" panose="02020603050405020304" pitchFamily="18" charset="0"/>
+              </a:rPr>
+              <a:t>Написать статью на https://habr.com/ о том, как при помощи </a:t>
+            </a:r>
+            <a:r>
+              <a:rPr lang="en-US" sz="2800" dirty="0">
+                <a:solidFill>
+                  <a:schemeClr val="tx1"/>
+                </a:solidFill>
+                <a:latin typeface="Times New Roman" panose="02020603050405020304" pitchFamily="18" charset="0"/>
+                <a:cs typeface="Times New Roman" panose="02020603050405020304" pitchFamily="18" charset="0"/>
+              </a:rPr>
+              <a:t>Python</a:t>
+            </a:r>
+            <a:r>
+              <a:rPr lang="ru-RU" sz="2800" dirty="0">
+                <a:solidFill>
+                  <a:schemeClr val="tx1"/>
+                </a:solidFill>
+                <a:latin typeface="Times New Roman" panose="02020603050405020304" pitchFamily="18" charset="0"/>
+                <a:cs typeface="Times New Roman" panose="02020603050405020304" pitchFamily="18" charset="0"/>
+              </a:rPr>
+              <a:t> можно изучать азартные сайты, показать на примере, как это было сделано нами.</a:t>
+            </a:r>
+          </a:p>
+        </p:txBody>
+      </p:sp>
+      <p:sp>
+        <p:nvSpPr>
+          <p:cNvPr id="2" name="Номер слайда 1">
+            <a:extLst>
+              <a:ext uri="{FF2B5EF4-FFF2-40B4-BE49-F238E27FC236}">
+                <a16:creationId xmlns:a16="http://schemas.microsoft.com/office/drawing/2014/main" id="{697C0E31-9EF3-47AD-994D-8F7D60F08A7B}"/>
+              </a:ext>
+            </a:extLst>
+          </p:cNvPr>
+          <p:cNvSpPr>
+            <a:spLocks noGrp="1"/>
+          </p:cNvSpPr>
+          <p:nvPr>
+            <p:ph type="sldNum" sz="quarter" idx="12"/>
+          </p:nvPr>
+        </p:nvSpPr>
+        <p:spPr/>
+        <p:txBody>
+          <a:bodyPr/>
+          <a:lstStyle/>
+          <a:p>
+            <a:fld id="{3E3F6483-C355-4B17-AD0A-918560342B9D}" type="slidenum">
+              <a:rPr lang="ru-RU" sz="1400" smtClean="0">
+                <a:solidFill>
+                  <a:schemeClr val="tx1"/>
+                </a:solidFill>
+                <a:latin typeface="Times New Roman" panose="02020603050405020304" pitchFamily="18" charset="0"/>
+                <a:cs typeface="Times New Roman" panose="02020603050405020304" pitchFamily="18" charset="0"/>
+              </a:rPr>
+              <a:t>10</a:t>
+            </a:fld>
+            <a:endParaRPr lang="ru-RU" dirty="0">
+              <a:solidFill>
+                <a:schemeClr val="tx1"/>
+              </a:solidFill>
+              <a:latin typeface="Times New Roman" panose="02020603050405020304" pitchFamily="18" charset="0"/>
+              <a:cs typeface="Times New Roman" panose="02020603050405020304" pitchFamily="18" charset="0"/>
+            </a:endParaRPr>
+          </a:p>
+        </p:txBody>
+      </p:sp>
+    </p:spTree>
+    <p:extLst>
+      <p:ext uri="{BB962C8B-B14F-4D97-AF65-F5344CB8AC3E}">
+        <p14:creationId xmlns:p14="http://schemas.microsoft.com/office/powerpoint/2010/main" val="2750784483"/>
+      </p:ext>
+    </p:extLst>
+  </p:cSld>
+  <p:clrMapOvr>
+    <a:masterClrMapping/>
+  </p:clrMapOvr>
+</p:sld>
+</file>
+
+<file path=ppt/slides/slide11.xml><?xml version="1.0" encoding="utf-8"?>
+<p:sld xmlns:a="http://schemas.openxmlformats.org/drawingml/2006/main" xmlns:r="http://schemas.openxmlformats.org/officeDocument/2006/relationships" xmlns:p="http://schemas.openxmlformats.org/presentationml/2006/main">
+  <p:cSld>
+    <p:spTree>
+      <p:nvGrpSpPr>
+        <p:cNvPr id="1" name=""/>
+        <p:cNvGrpSpPr/>
+        <p:nvPr/>
+      </p:nvGrpSpPr>
+      <p:grpSpPr>
+        <a:xfrm>
+          <a:off x="0" y="0"/>
+          <a:ext cx="0" cy="0"/>
+          <a:chOff x="0" y="0"/>
+          <a:chExt cx="0" cy="0"/>
+        </a:xfrm>
+      </p:grpSpPr>
+      <p:sp>
+        <p:nvSpPr>
+          <p:cNvPr id="2" name="Заголовок 1">
+            <a:extLst>
+              <a:ext uri="{FF2B5EF4-FFF2-40B4-BE49-F238E27FC236}">
+                <a16:creationId xmlns:a16="http://schemas.microsoft.com/office/drawing/2014/main" id="{E7932DDC-9410-4EDA-95E0-DAD6ED60B375}"/>
+              </a:ext>
+            </a:extLst>
+          </p:cNvPr>
+          <p:cNvSpPr>
+            <a:spLocks noGrp="1"/>
+          </p:cNvSpPr>
+          <p:nvPr>
+            <p:ph type="title"/>
+          </p:nvPr>
+        </p:nvSpPr>
+        <p:spPr>
+          <a:xfrm>
+            <a:off x="838200" y="556181"/>
+            <a:ext cx="10515600" cy="886021"/>
+          </a:xfrm>
+        </p:spPr>
+        <p:txBody>
+          <a:bodyPr>
+            <a:normAutofit fontScale="90000"/>
+          </a:bodyPr>
+          <a:lstStyle/>
+          <a:p>
+            <a:r>
+              <a:rPr lang="ru-RU" dirty="0">
+                <a:latin typeface="Times New Roman" panose="02020603050405020304" pitchFamily="18" charset="0"/>
+                <a:cs typeface="Times New Roman" panose="02020603050405020304" pitchFamily="18" charset="0"/>
+              </a:rPr>
+              <a:t>Заключение</a:t>
+            </a:r>
+          </a:p>
+        </p:txBody>
+      </p:sp>
+      <p:sp>
+        <p:nvSpPr>
+          <p:cNvPr id="3" name="Текст 2">
+            <a:extLst>
+              <a:ext uri="{FF2B5EF4-FFF2-40B4-BE49-F238E27FC236}">
+                <a16:creationId xmlns:a16="http://schemas.microsoft.com/office/drawing/2014/main" id="{2BBCC9E5-D63B-424A-9981-609E00E08996}"/>
+              </a:ext>
+            </a:extLst>
+          </p:cNvPr>
+          <p:cNvSpPr>
+            <a:spLocks noGrp="1"/>
+          </p:cNvSpPr>
+          <p:nvPr>
+            <p:ph type="body" idx="1"/>
+          </p:nvPr>
+        </p:nvSpPr>
+        <p:spPr>
+          <a:xfrm>
+            <a:off x="747008" y="1928813"/>
+            <a:ext cx="10515600" cy="1500187"/>
+          </a:xfrm>
+        </p:spPr>
+        <p:txBody>
+          <a:bodyPr>
+            <a:normAutofit/>
+          </a:bodyPr>
+          <a:lstStyle/>
+          <a:p>
+            <a:r>
+              <a:rPr lang="ru-RU" dirty="0">
+                <a:solidFill>
+                  <a:schemeClr val="tx1"/>
+                </a:solidFill>
+                <a:latin typeface="Times New Roman" panose="02020603050405020304" pitchFamily="18" charset="0"/>
+                <a:cs typeface="Times New Roman" panose="02020603050405020304" pitchFamily="18" charset="0"/>
+              </a:rPr>
+              <a:t>Основная цель проекта была исследовательской, а не коммерческой. В процессе реализации мы изучили работу сайта азартных игр, провели анализ данных, выявили закономерности функционирования сайта. На основе этого разработали стратегию игры и написали приложение-предиктор. </a:t>
+            </a:r>
+          </a:p>
+        </p:txBody>
+      </p:sp>
+      <p:sp>
+        <p:nvSpPr>
+          <p:cNvPr id="4" name="Номер слайда 3">
+            <a:extLst>
+              <a:ext uri="{FF2B5EF4-FFF2-40B4-BE49-F238E27FC236}">
+                <a16:creationId xmlns:a16="http://schemas.microsoft.com/office/drawing/2014/main" id="{A5895865-52EB-47EB-B902-A8185A7B1FA9}"/>
+              </a:ext>
+            </a:extLst>
+          </p:cNvPr>
+          <p:cNvSpPr>
+            <a:spLocks noGrp="1"/>
+          </p:cNvSpPr>
+          <p:nvPr>
+            <p:ph type="sldNum" sz="quarter" idx="12"/>
+          </p:nvPr>
+        </p:nvSpPr>
+        <p:spPr/>
+        <p:txBody>
+          <a:bodyPr/>
+          <a:lstStyle/>
+          <a:p>
+            <a:fld id="{3E3F6483-C355-4B17-AD0A-918560342B9D}" type="slidenum">
+              <a:rPr lang="ru-RU" sz="1400" smtClean="0">
+                <a:solidFill>
+                  <a:schemeClr val="tx1"/>
+                </a:solidFill>
+                <a:latin typeface="Times New Roman" panose="02020603050405020304" pitchFamily="18" charset="0"/>
+                <a:cs typeface="Times New Roman" panose="02020603050405020304" pitchFamily="18" charset="0"/>
+              </a:rPr>
+              <a:t>11</a:t>
+            </a:fld>
+            <a:endParaRPr lang="ru-RU" dirty="0">
+              <a:solidFill>
+                <a:schemeClr val="tx1"/>
+              </a:solidFill>
+              <a:latin typeface="Times New Roman" panose="02020603050405020304" pitchFamily="18" charset="0"/>
+              <a:cs typeface="Times New Roman" panose="02020603050405020304" pitchFamily="18" charset="0"/>
+            </a:endParaRPr>
+          </a:p>
+        </p:txBody>
+      </p:sp>
+    </p:spTree>
+    <p:extLst>
+      <p:ext uri="{BB962C8B-B14F-4D97-AF65-F5344CB8AC3E}">
+        <p14:creationId xmlns:p14="http://schemas.microsoft.com/office/powerpoint/2010/main" val="1157338244"/>
+      </p:ext>
+    </p:extLst>
+  </p:cSld>
+  <p:clrMapOvr>
+    <a:masterClrMapping/>
+  </p:clrMapOvr>
+</p:sld>
+</file>
+
+<file path=ppt/slides/slide12.xml><?xml version="1.0" encoding="utf-8"?>
+<p:sld xmlns:a="http://schemas.openxmlformats.org/drawingml/2006/main" xmlns:r="http://schemas.openxmlformats.org/officeDocument/2006/relationships" xmlns:p="http://schemas.openxmlformats.org/presentationml/2006/main">
+  <p:cSld>
+    <p:spTree>
+      <p:nvGrpSpPr>
+        <p:cNvPr id="1" name=""/>
+        <p:cNvGrpSpPr/>
+        <p:nvPr/>
+      </p:nvGrpSpPr>
+      <p:grpSpPr>
+        <a:xfrm>
+          <a:off x="0" y="0"/>
+          <a:ext cx="0" cy="0"/>
+          <a:chOff x="0" y="0"/>
+          <a:chExt cx="0" cy="0"/>
+        </a:xfrm>
+      </p:grpSpPr>
+      <p:sp>
+        <p:nvSpPr>
+          <p:cNvPr id="2" name="Заголовок 1">
+            <a:extLst>
+              <a:ext uri="{FF2B5EF4-FFF2-40B4-BE49-F238E27FC236}">
+                <a16:creationId xmlns:a16="http://schemas.microsoft.com/office/drawing/2014/main" id="{A043E365-366C-42AE-BD48-168E171CBCAE}"/>
+              </a:ext>
+            </a:extLst>
+          </p:cNvPr>
+          <p:cNvSpPr>
+            <a:spLocks noGrp="1"/>
+          </p:cNvSpPr>
+          <p:nvPr>
+            <p:ph type="title"/>
+          </p:nvPr>
+        </p:nvSpPr>
+        <p:spPr>
+          <a:xfrm>
+            <a:off x="728155" y="2809188"/>
+            <a:ext cx="10515600" cy="952009"/>
+          </a:xfrm>
+        </p:spPr>
+        <p:txBody>
+          <a:bodyPr/>
+          <a:lstStyle/>
+          <a:p>
+            <a:pPr algn="ctr"/>
+            <a:r>
+              <a:rPr lang="ru-RU" dirty="0">
+                <a:latin typeface="Times New Roman" panose="02020603050405020304" pitchFamily="18" charset="0"/>
+                <a:cs typeface="Times New Roman" panose="02020603050405020304" pitchFamily="18" charset="0"/>
+              </a:rPr>
+              <a:t>Спасибо за внимание</a:t>
+            </a:r>
+          </a:p>
+        </p:txBody>
+      </p:sp>
+      <p:sp>
+        <p:nvSpPr>
+          <p:cNvPr id="4" name="Номер слайда 3">
+            <a:extLst>
+              <a:ext uri="{FF2B5EF4-FFF2-40B4-BE49-F238E27FC236}">
+                <a16:creationId xmlns:a16="http://schemas.microsoft.com/office/drawing/2014/main" id="{E55BEC90-B9CB-42EF-B6A0-49DD75BBB1E6}"/>
+              </a:ext>
+            </a:extLst>
+          </p:cNvPr>
+          <p:cNvSpPr>
+            <a:spLocks noGrp="1"/>
+          </p:cNvSpPr>
+          <p:nvPr>
+            <p:ph type="sldNum" sz="quarter" idx="12"/>
+          </p:nvPr>
+        </p:nvSpPr>
+        <p:spPr/>
+        <p:txBody>
+          <a:bodyPr/>
+          <a:lstStyle/>
+          <a:p>
+            <a:fld id="{3E3F6483-C355-4B17-AD0A-918560342B9D}" type="slidenum">
+              <a:rPr lang="ru-RU" sz="1400" smtClean="0">
+                <a:solidFill>
+                  <a:schemeClr val="tx1"/>
+                </a:solidFill>
+                <a:latin typeface="Times New Roman" panose="02020603050405020304" pitchFamily="18" charset="0"/>
+                <a:cs typeface="Times New Roman" panose="02020603050405020304" pitchFamily="18" charset="0"/>
+              </a:rPr>
+              <a:t>12</a:t>
+            </a:fld>
+            <a:endParaRPr lang="ru-RU" dirty="0">
+              <a:solidFill>
+                <a:schemeClr val="tx1"/>
+              </a:solidFill>
+              <a:latin typeface="Times New Roman" panose="02020603050405020304" pitchFamily="18" charset="0"/>
+              <a:cs typeface="Times New Roman" panose="02020603050405020304" pitchFamily="18" charset="0"/>
+            </a:endParaRPr>
+          </a:p>
+        </p:txBody>
+      </p:sp>
+    </p:spTree>
+    <p:extLst>
+      <p:ext uri="{BB962C8B-B14F-4D97-AF65-F5344CB8AC3E}">
+        <p14:creationId xmlns:p14="http://schemas.microsoft.com/office/powerpoint/2010/main" val="1675813356"/>
+      </p:ext>
+    </p:extLst>
+  </p:cSld>
+  <p:clrMapOvr>
+    <a:masterClrMapping/>
+  </p:clrMapOvr>
+</p:sld>
+</file>
+
 <file path=ppt/slides/slide2.xml><?xml version="1.0" encoding="utf-8"?>
 <p:sld xmlns:a="http://schemas.openxmlformats.org/drawingml/2006/main" xmlns:r="http://schemas.openxmlformats.org/officeDocument/2006/relationships" xmlns:p="http://schemas.openxmlformats.org/presentationml/2006/main">
   <p:cSld>
@@ -4261,7 +4728,12 @@
             <p:ph idx="1"/>
           </p:nvPr>
         </p:nvSpPr>
-        <p:spPr/>
+        <p:spPr>
+          <a:xfrm>
+            <a:off x="838200" y="3580057"/>
+            <a:ext cx="10515600" cy="3096919"/>
+          </a:xfrm>
+        </p:spPr>
         <p:txBody>
           <a:bodyPr/>
           <a:lstStyle/>
@@ -4310,7 +4782,7 @@
                 <a:latin typeface="Times New Roman" panose="02020603050405020304" pitchFamily="18" charset="0"/>
                 <a:cs typeface="Times New Roman" panose="02020603050405020304" pitchFamily="18" charset="0"/>
               </a:rPr>
-              <a:t>Создать приложение, делающее прогноз на следующую игру в режиме онлайн. </a:t>
+              <a:t>Создать приложение</a:t>
             </a:r>
           </a:p>
           <a:p>
@@ -4360,6 +4832,271 @@
               <a:latin typeface="Times New Roman" panose="02020603050405020304" pitchFamily="18" charset="0"/>
               <a:cs typeface="Times New Roman" panose="02020603050405020304" pitchFamily="18" charset="0"/>
             </a:endParaRPr>
+          </a:p>
+        </p:txBody>
+      </p:sp>
+      <p:sp>
+        <p:nvSpPr>
+          <p:cNvPr id="5" name="Объект 2">
+            <a:extLst>
+              <a:ext uri="{FF2B5EF4-FFF2-40B4-BE49-F238E27FC236}">
+                <a16:creationId xmlns:a16="http://schemas.microsoft.com/office/drawing/2014/main" id="{6EE222A3-B3FB-488F-9E13-ACA9B68FB1FA}"/>
+              </a:ext>
+            </a:extLst>
+          </p:cNvPr>
+          <p:cNvSpPr txBox="1">
+            <a:spLocks/>
+          </p:cNvSpPr>
+          <p:nvPr/>
+        </p:nvSpPr>
+        <p:spPr>
+          <a:xfrm>
+            <a:off x="838200" y="1359889"/>
+            <a:ext cx="10515600" cy="4351338"/>
+          </a:xfrm>
+          <a:prstGeom prst="rect">
+            <a:avLst/>
+          </a:prstGeom>
+        </p:spPr>
+        <p:txBody>
+          <a:bodyPr vert="horz" lIns="91440" tIns="45720" rIns="91440" bIns="45720" rtlCol="0">
+            <a:normAutofit/>
+          </a:bodyPr>
+          <a:lstStyle>
+            <a:lvl1pPr marL="228600" indent="-228600" algn="l" defTabSz="914400" rtl="0" eaLnBrk="1" latinLnBrk="0" hangingPunct="1">
+              <a:lnSpc>
+                <a:spcPct val="90000"/>
+              </a:lnSpc>
+              <a:spcBef>
+                <a:spcPts val="1000"/>
+              </a:spcBef>
+              <a:buFont typeface="Arial" panose="020B0604020202020204" pitchFamily="34" charset="0"/>
+              <a:buChar char="•"/>
+              <a:defRPr sz="2800" kern="1200">
+                <a:solidFill>
+                  <a:schemeClr val="tx1"/>
+                </a:solidFill>
+                <a:latin typeface="+mn-lt"/>
+                <a:ea typeface="+mn-ea"/>
+                <a:cs typeface="+mn-cs"/>
+              </a:defRPr>
+            </a:lvl1pPr>
+            <a:lvl2pPr marL="685800" indent="-228600" algn="l" defTabSz="914400" rtl="0" eaLnBrk="1" latinLnBrk="0" hangingPunct="1">
+              <a:lnSpc>
+                <a:spcPct val="90000"/>
+              </a:lnSpc>
+              <a:spcBef>
+                <a:spcPts val="500"/>
+              </a:spcBef>
+              <a:buFont typeface="Arial" panose="020B0604020202020204" pitchFamily="34" charset="0"/>
+              <a:buChar char="•"/>
+              <a:defRPr sz="2400" kern="1200">
+                <a:solidFill>
+                  <a:schemeClr val="tx1"/>
+                </a:solidFill>
+                <a:latin typeface="+mn-lt"/>
+                <a:ea typeface="+mn-ea"/>
+                <a:cs typeface="+mn-cs"/>
+              </a:defRPr>
+            </a:lvl2pPr>
+            <a:lvl3pPr marL="1143000" indent="-228600" algn="l" defTabSz="914400" rtl="0" eaLnBrk="1" latinLnBrk="0" hangingPunct="1">
+              <a:lnSpc>
+                <a:spcPct val="90000"/>
+              </a:lnSpc>
+              <a:spcBef>
+                <a:spcPts val="500"/>
+              </a:spcBef>
+              <a:buFont typeface="Arial" panose="020B0604020202020204" pitchFamily="34" charset="0"/>
+              <a:buChar char="•"/>
+              <a:defRPr sz="2000" kern="1200">
+                <a:solidFill>
+                  <a:schemeClr val="tx1"/>
+                </a:solidFill>
+                <a:latin typeface="+mn-lt"/>
+                <a:ea typeface="+mn-ea"/>
+                <a:cs typeface="+mn-cs"/>
+              </a:defRPr>
+            </a:lvl3pPr>
+            <a:lvl4pPr marL="1600200" indent="-228600" algn="l" defTabSz="914400" rtl="0" eaLnBrk="1" latinLnBrk="0" hangingPunct="1">
+              <a:lnSpc>
+                <a:spcPct val="90000"/>
+              </a:lnSpc>
+              <a:spcBef>
+                <a:spcPts val="500"/>
+              </a:spcBef>
+              <a:buFont typeface="Arial" panose="020B0604020202020204" pitchFamily="34" charset="0"/>
+              <a:buChar char="•"/>
+              <a:defRPr sz="1800" kern="1200">
+                <a:solidFill>
+                  <a:schemeClr val="tx1"/>
+                </a:solidFill>
+                <a:latin typeface="+mn-lt"/>
+                <a:ea typeface="+mn-ea"/>
+                <a:cs typeface="+mn-cs"/>
+              </a:defRPr>
+            </a:lvl4pPr>
+            <a:lvl5pPr marL="2057400" indent="-228600" algn="l" defTabSz="914400" rtl="0" eaLnBrk="1" latinLnBrk="0" hangingPunct="1">
+              <a:lnSpc>
+                <a:spcPct val="90000"/>
+              </a:lnSpc>
+              <a:spcBef>
+                <a:spcPts val="500"/>
+              </a:spcBef>
+              <a:buFont typeface="Arial" panose="020B0604020202020204" pitchFamily="34" charset="0"/>
+              <a:buChar char="•"/>
+              <a:defRPr sz="1800" kern="1200">
+                <a:solidFill>
+                  <a:schemeClr val="tx1"/>
+                </a:solidFill>
+                <a:latin typeface="+mn-lt"/>
+                <a:ea typeface="+mn-ea"/>
+                <a:cs typeface="+mn-cs"/>
+              </a:defRPr>
+            </a:lvl5pPr>
+            <a:lvl6pPr marL="2514600" indent="-228600" algn="l" defTabSz="914400" rtl="0" eaLnBrk="1" latinLnBrk="0" hangingPunct="1">
+              <a:lnSpc>
+                <a:spcPct val="90000"/>
+              </a:lnSpc>
+              <a:spcBef>
+                <a:spcPts val="500"/>
+              </a:spcBef>
+              <a:buFont typeface="Arial" panose="020B0604020202020204" pitchFamily="34" charset="0"/>
+              <a:buChar char="•"/>
+              <a:defRPr sz="1800" kern="1200">
+                <a:solidFill>
+                  <a:schemeClr val="tx1"/>
+                </a:solidFill>
+                <a:latin typeface="+mn-lt"/>
+                <a:ea typeface="+mn-ea"/>
+                <a:cs typeface="+mn-cs"/>
+              </a:defRPr>
+            </a:lvl6pPr>
+            <a:lvl7pPr marL="2971800" indent="-228600" algn="l" defTabSz="914400" rtl="0" eaLnBrk="1" latinLnBrk="0" hangingPunct="1">
+              <a:lnSpc>
+                <a:spcPct val="90000"/>
+              </a:lnSpc>
+              <a:spcBef>
+                <a:spcPts val="500"/>
+              </a:spcBef>
+              <a:buFont typeface="Arial" panose="020B0604020202020204" pitchFamily="34" charset="0"/>
+              <a:buChar char="•"/>
+              <a:defRPr sz="1800" kern="1200">
+                <a:solidFill>
+                  <a:schemeClr val="tx1"/>
+                </a:solidFill>
+                <a:latin typeface="+mn-lt"/>
+                <a:ea typeface="+mn-ea"/>
+                <a:cs typeface="+mn-cs"/>
+              </a:defRPr>
+            </a:lvl7pPr>
+            <a:lvl8pPr marL="3429000" indent="-228600" algn="l" defTabSz="914400" rtl="0" eaLnBrk="1" latinLnBrk="0" hangingPunct="1">
+              <a:lnSpc>
+                <a:spcPct val="90000"/>
+              </a:lnSpc>
+              <a:spcBef>
+                <a:spcPts val="500"/>
+              </a:spcBef>
+              <a:buFont typeface="Arial" panose="020B0604020202020204" pitchFamily="34" charset="0"/>
+              <a:buChar char="•"/>
+              <a:defRPr sz="1800" kern="1200">
+                <a:solidFill>
+                  <a:schemeClr val="tx1"/>
+                </a:solidFill>
+                <a:latin typeface="+mn-lt"/>
+                <a:ea typeface="+mn-ea"/>
+                <a:cs typeface="+mn-cs"/>
+              </a:defRPr>
+            </a:lvl8pPr>
+            <a:lvl9pPr marL="3886200" indent="-228600" algn="l" defTabSz="914400" rtl="0" eaLnBrk="1" latinLnBrk="0" hangingPunct="1">
+              <a:lnSpc>
+                <a:spcPct val="90000"/>
+              </a:lnSpc>
+              <a:spcBef>
+                <a:spcPts val="500"/>
+              </a:spcBef>
+              <a:buFont typeface="Arial" panose="020B0604020202020204" pitchFamily="34" charset="0"/>
+              <a:buChar char="•"/>
+              <a:defRPr sz="1800" kern="1200">
+                <a:solidFill>
+                  <a:schemeClr val="tx1"/>
+                </a:solidFill>
+                <a:latin typeface="+mn-lt"/>
+                <a:ea typeface="+mn-ea"/>
+                <a:cs typeface="+mn-cs"/>
+              </a:defRPr>
+            </a:lvl9pPr>
+          </a:lstStyle>
+          <a:p>
+            <a:r>
+              <a:rPr lang="ru-RU" dirty="0">
+                <a:latin typeface="Times New Roman" panose="02020603050405020304" pitchFamily="18" charset="0"/>
+                <a:cs typeface="Times New Roman" panose="02020603050405020304" pitchFamily="18" charset="0"/>
+              </a:rPr>
+              <a:t>Создать приложение, делающее прогноз на следующую игру в режиме онлайн </a:t>
+            </a:r>
+          </a:p>
+          <a:p>
+            <a:endParaRPr lang="ru-RU" dirty="0">
+              <a:latin typeface="Times New Roman" panose="02020603050405020304" pitchFamily="18" charset="0"/>
+              <a:cs typeface="Times New Roman" panose="02020603050405020304" pitchFamily="18" charset="0"/>
+            </a:endParaRPr>
+          </a:p>
+        </p:txBody>
+      </p:sp>
+      <p:sp>
+        <p:nvSpPr>
+          <p:cNvPr id="6" name="Заголовок 1">
+            <a:extLst>
+              <a:ext uri="{FF2B5EF4-FFF2-40B4-BE49-F238E27FC236}">
+                <a16:creationId xmlns:a16="http://schemas.microsoft.com/office/drawing/2014/main" id="{C2643435-5EB0-4C9B-9D02-8CD1340F956E}"/>
+              </a:ext>
+            </a:extLst>
+          </p:cNvPr>
+          <p:cNvSpPr txBox="1">
+            <a:spLocks/>
+          </p:cNvSpPr>
+          <p:nvPr/>
+        </p:nvSpPr>
+        <p:spPr>
+          <a:xfrm>
+            <a:off x="838200" y="2335811"/>
+            <a:ext cx="10515600" cy="1325563"/>
+          </a:xfrm>
+          <a:prstGeom prst="rect">
+            <a:avLst/>
+          </a:prstGeom>
+        </p:spPr>
+        <p:txBody>
+          <a:bodyPr vert="horz" lIns="91440" tIns="45720" rIns="91440" bIns="45720" rtlCol="0" anchor="ctr">
+            <a:normAutofit/>
+          </a:bodyPr>
+          <a:lstStyle>
+            <a:lvl1pPr algn="l" defTabSz="914400" rtl="0" eaLnBrk="1" latinLnBrk="0" hangingPunct="1">
+              <a:lnSpc>
+                <a:spcPct val="90000"/>
+              </a:lnSpc>
+              <a:spcBef>
+                <a:spcPct val="0"/>
+              </a:spcBef>
+              <a:buNone/>
+              <a:defRPr sz="4400" kern="1200">
+                <a:solidFill>
+                  <a:schemeClr val="tx1"/>
+                </a:solidFill>
+                <a:latin typeface="+mj-lt"/>
+                <a:ea typeface="+mj-ea"/>
+                <a:cs typeface="+mj-cs"/>
+              </a:defRPr>
+            </a:lvl1pPr>
+          </a:lstStyle>
+          <a:p>
+            <a:r>
+              <a:rPr lang="ru-RU" dirty="0">
+                <a:latin typeface="Times New Roman" panose="02020603050405020304" pitchFamily="18" charset="0"/>
+                <a:cs typeface="Times New Roman" panose="02020603050405020304" pitchFamily="18" charset="0"/>
+              </a:rPr>
+              <a:t>Задачи проекта:</a:t>
+            </a:r>
           </a:p>
         </p:txBody>
       </p:sp>
